--- a/assets/presentation/Stock of the Talk  Presentation.pptx
+++ b/assets/presentation/Stock of the Talk  Presentation.pptx
@@ -5,7 +5,7 @@
     <p:sldMasterId id="2147483659" r:id="rId1"/>
   </p:sldMasterIdLst>
   <p:notesMasterIdLst>
-    <p:notesMasterId r:id="rId11"/>
+    <p:notesMasterId r:id="rId12"/>
   </p:notesMasterIdLst>
   <p:sldIdLst>
     <p:sldId id="256" r:id="rId2"/>
@@ -13,10 +13,11 @@
     <p:sldId id="258" r:id="rId4"/>
     <p:sldId id="259" r:id="rId5"/>
     <p:sldId id="263" r:id="rId6"/>
-    <p:sldId id="260" r:id="rId7"/>
-    <p:sldId id="261" r:id="rId8"/>
-    <p:sldId id="262" r:id="rId9"/>
-    <p:sldId id="264" r:id="rId10"/>
+    <p:sldId id="265" r:id="rId7"/>
+    <p:sldId id="260" r:id="rId8"/>
+    <p:sldId id="261" r:id="rId9"/>
+    <p:sldId id="262" r:id="rId10"/>
+    <p:sldId id="264" r:id="rId11"/>
   </p:sldIdLst>
   <p:sldSz cx="9144000" cy="5143500" type="screen16x9"/>
   <p:notesSz cx="6858000" cy="9144000"/>
@@ -249,6 +250,11 @@
       </a:defRPr>
     </a:lvl9pPr>
   </p:defaultTextStyle>
+  <p:extLst>
+    <p:ext uri="{EFAFB233-063F-42B5-8137-9DF3F51BA10A}">
+      <p15:sldGuideLst xmlns:p15="http://schemas.microsoft.com/office/powerpoint/2012/main"/>
+    </p:ext>
+  </p:extLst>
 </p:presentation>
 </file>
 
@@ -797,6 +803,115 @@
 </p:notes>
 </file>
 
+<file path=ppt/notesSlides/notesSlide10.xml><?xml version="1.0" encoding="utf-8"?>
+<p:notes xmlns:a="http://schemas.openxmlformats.org/drawingml/2006/main" xmlns:r="http://schemas.openxmlformats.org/officeDocument/2006/relationships" xmlns:p="http://schemas.openxmlformats.org/presentationml/2006/main" showMasterSp="0" showMasterPhAnim="0">
+  <p:cSld>
+    <p:spTree>
+      <p:nvGrpSpPr>
+        <p:cNvPr id="1" name="Shape 84"/>
+        <p:cNvGrpSpPr/>
+        <p:nvPr/>
+      </p:nvGrpSpPr>
+      <p:grpSpPr>
+        <a:xfrm>
+          <a:off x="0" y="0"/>
+          <a:ext cx="0" cy="0"/>
+          <a:chOff x="0" y="0"/>
+          <a:chExt cx="0" cy="0"/>
+        </a:xfrm>
+      </p:grpSpPr>
+      <p:sp>
+        <p:nvSpPr>
+          <p:cNvPr id="85" name="Google Shape;85;g29f43f0a72_0_24:notes"/>
+          <p:cNvSpPr>
+            <a:spLocks noGrp="1" noRot="1" noChangeAspect="1"/>
+          </p:cNvSpPr>
+          <p:nvPr>
+            <p:ph type="sldImg" idx="2"/>
+          </p:nvPr>
+        </p:nvSpPr>
+        <p:spPr>
+          <a:xfrm>
+            <a:off x="381000" y="685800"/>
+            <a:ext cx="6096000" cy="3429000"/>
+          </a:xfrm>
+          <a:custGeom>
+            <a:avLst/>
+            <a:gdLst/>
+            <a:ahLst/>
+            <a:cxnLst/>
+            <a:rect l="l" t="t" r="r" b="b"/>
+            <a:pathLst>
+              <a:path w="120000" h="120000" extrusionOk="0">
+                <a:moveTo>
+                  <a:pt x="0" y="0"/>
+                </a:moveTo>
+                <a:lnTo>
+                  <a:pt x="120000" y="0"/>
+                </a:lnTo>
+                <a:lnTo>
+                  <a:pt x="120000" y="120000"/>
+                </a:lnTo>
+                <a:lnTo>
+                  <a:pt x="0" y="120000"/>
+                </a:lnTo>
+                <a:close/>
+              </a:path>
+            </a:pathLst>
+          </a:custGeom>
+        </p:spPr>
+      </p:sp>
+      <p:sp>
+        <p:nvSpPr>
+          <p:cNvPr id="86" name="Google Shape;86;g29f43f0a72_0_24:notes"/>
+          <p:cNvSpPr txBox="1">
+            <a:spLocks noGrp="1"/>
+          </p:cNvSpPr>
+          <p:nvPr>
+            <p:ph type="body" idx="1"/>
+          </p:nvPr>
+        </p:nvSpPr>
+        <p:spPr>
+          <a:xfrm>
+            <a:off x="685800" y="4343400"/>
+            <a:ext cx="5486400" cy="4114800"/>
+          </a:xfrm>
+          <a:prstGeom prst="rect">
+            <a:avLst/>
+          </a:prstGeom>
+        </p:spPr>
+        <p:txBody>
+          <a:bodyPr spcFirstLastPara="1" wrap="square" lIns="91425" tIns="91425" rIns="91425" bIns="91425" anchor="t" anchorCtr="0">
+            <a:noAutofit/>
+          </a:bodyPr>
+          <a:lstStyle/>
+          <a:p>
+            <a:pPr marL="0" lvl="0" indent="0" algn="l" rtl="0">
+              <a:spcBef>
+                <a:spcPts val="0"/>
+              </a:spcBef>
+              <a:spcAft>
+                <a:spcPts val="0"/>
+              </a:spcAft>
+              <a:buNone/>
+            </a:pPr>
+            <a:endParaRPr/>
+          </a:p>
+        </p:txBody>
+      </p:sp>
+    </p:spTree>
+    <p:extLst>
+      <p:ext uri="{BB962C8B-B14F-4D97-AF65-F5344CB8AC3E}">
+        <p14:creationId xmlns:p14="http://schemas.microsoft.com/office/powerpoint/2010/main" val="1670223539"/>
+      </p:ext>
+    </p:extLst>
+  </p:cSld>
+  <p:clrMapOvr>
+    <a:masterClrMapping/>
+  </p:clrMapOvr>
+</p:notes>
+</file>
+
 <file path=ppt/notesSlides/notesSlide2.xml><?xml version="1.0" encoding="utf-8"?>
 <p:notes xmlns:a="http://schemas.openxmlformats.org/drawingml/2006/main" xmlns:r="http://schemas.openxmlformats.org/officeDocument/2006/relationships" xmlns:p="http://schemas.openxmlformats.org/presentationml/2006/main" showMasterSp="0" showMasterPhAnim="0">
   <p:cSld>
@@ -1223,6 +1338,115 @@
   <p:cSld>
     <p:spTree>
       <p:nvGrpSpPr>
+        <p:cNvPr id="1" name="Shape 67"/>
+        <p:cNvGrpSpPr/>
+        <p:nvPr/>
+      </p:nvGrpSpPr>
+      <p:grpSpPr>
+        <a:xfrm>
+          <a:off x="0" y="0"/>
+          <a:ext cx="0" cy="0"/>
+          <a:chOff x="0" y="0"/>
+          <a:chExt cx="0" cy="0"/>
+        </a:xfrm>
+      </p:grpSpPr>
+      <p:sp>
+        <p:nvSpPr>
+          <p:cNvPr id="68" name="Google Shape;68;g29f43f0a72_0_5:notes"/>
+          <p:cNvSpPr>
+            <a:spLocks noGrp="1" noRot="1" noChangeAspect="1"/>
+          </p:cNvSpPr>
+          <p:nvPr>
+            <p:ph type="sldImg" idx="2"/>
+          </p:nvPr>
+        </p:nvSpPr>
+        <p:spPr>
+          <a:xfrm>
+            <a:off x="381000" y="685800"/>
+            <a:ext cx="6096000" cy="3429000"/>
+          </a:xfrm>
+          <a:custGeom>
+            <a:avLst/>
+            <a:gdLst/>
+            <a:ahLst/>
+            <a:cxnLst/>
+            <a:rect l="l" t="t" r="r" b="b"/>
+            <a:pathLst>
+              <a:path w="120000" h="120000" extrusionOk="0">
+                <a:moveTo>
+                  <a:pt x="0" y="0"/>
+                </a:moveTo>
+                <a:lnTo>
+                  <a:pt x="120000" y="0"/>
+                </a:lnTo>
+                <a:lnTo>
+                  <a:pt x="120000" y="120000"/>
+                </a:lnTo>
+                <a:lnTo>
+                  <a:pt x="0" y="120000"/>
+                </a:lnTo>
+                <a:close/>
+              </a:path>
+            </a:pathLst>
+          </a:custGeom>
+        </p:spPr>
+      </p:sp>
+      <p:sp>
+        <p:nvSpPr>
+          <p:cNvPr id="69" name="Google Shape;69;g29f43f0a72_0_5:notes"/>
+          <p:cNvSpPr txBox="1">
+            <a:spLocks noGrp="1"/>
+          </p:cNvSpPr>
+          <p:nvPr>
+            <p:ph type="body" idx="1"/>
+          </p:nvPr>
+        </p:nvSpPr>
+        <p:spPr>
+          <a:xfrm>
+            <a:off x="685800" y="4343400"/>
+            <a:ext cx="5486400" cy="4114800"/>
+          </a:xfrm>
+          <a:prstGeom prst="rect">
+            <a:avLst/>
+          </a:prstGeom>
+        </p:spPr>
+        <p:txBody>
+          <a:bodyPr spcFirstLastPara="1" wrap="square" lIns="91425" tIns="91425" rIns="91425" bIns="91425" anchor="t" anchorCtr="0">
+            <a:noAutofit/>
+          </a:bodyPr>
+          <a:lstStyle/>
+          <a:p>
+            <a:pPr marL="0" lvl="0" indent="0" algn="l" rtl="0">
+              <a:spcBef>
+                <a:spcPts val="0"/>
+              </a:spcBef>
+              <a:spcAft>
+                <a:spcPts val="0"/>
+              </a:spcAft>
+              <a:buNone/>
+            </a:pPr>
+            <a:endParaRPr/>
+          </a:p>
+        </p:txBody>
+      </p:sp>
+    </p:spTree>
+    <p:extLst>
+      <p:ext uri="{BB962C8B-B14F-4D97-AF65-F5344CB8AC3E}">
+        <p14:creationId xmlns:p14="http://schemas.microsoft.com/office/powerpoint/2010/main" val="312436677"/>
+      </p:ext>
+    </p:extLst>
+  </p:cSld>
+  <p:clrMapOvr>
+    <a:masterClrMapping/>
+  </p:clrMapOvr>
+</p:notes>
+</file>
+
+<file path=ppt/notesSlides/notesSlide7.xml><?xml version="1.0" encoding="utf-8"?>
+<p:notes xmlns:a="http://schemas.openxmlformats.org/drawingml/2006/main" xmlns:r="http://schemas.openxmlformats.org/officeDocument/2006/relationships" xmlns:p="http://schemas.openxmlformats.org/presentationml/2006/main" showMasterSp="0" showMasterPhAnim="0">
+  <p:cSld>
+    <p:spTree>
+      <p:nvGrpSpPr>
         <p:cNvPr id="1" name="Shape 73"/>
         <p:cNvGrpSpPr/>
         <p:nvPr/>
@@ -1322,7 +1546,7 @@
 </p:notes>
 </file>
 
-<file path=ppt/notesSlides/notesSlide7.xml><?xml version="1.0" encoding="utf-8"?>
+<file path=ppt/notesSlides/notesSlide8.xml><?xml version="1.0" encoding="utf-8"?>
 <p:notes xmlns:a="http://schemas.openxmlformats.org/drawingml/2006/main" xmlns:r="http://schemas.openxmlformats.org/officeDocument/2006/relationships" xmlns:p="http://schemas.openxmlformats.org/presentationml/2006/main" showMasterSp="0" showMasterPhAnim="0">
   <p:cSld>
     <p:spTree>
@@ -1383,110 +1607,6 @@
       <p:sp>
         <p:nvSpPr>
           <p:cNvPr id="80" name="Google Shape;80;g29f43f0a72_0_10:notes"/>
-          <p:cNvSpPr txBox="1">
-            <a:spLocks noGrp="1"/>
-          </p:cNvSpPr>
-          <p:nvPr>
-            <p:ph type="body" idx="1"/>
-          </p:nvPr>
-        </p:nvSpPr>
-        <p:spPr>
-          <a:xfrm>
-            <a:off x="685800" y="4343400"/>
-            <a:ext cx="5486400" cy="4114800"/>
-          </a:xfrm>
-          <a:prstGeom prst="rect">
-            <a:avLst/>
-          </a:prstGeom>
-        </p:spPr>
-        <p:txBody>
-          <a:bodyPr spcFirstLastPara="1" wrap="square" lIns="91425" tIns="91425" rIns="91425" bIns="91425" anchor="t" anchorCtr="0">
-            <a:noAutofit/>
-          </a:bodyPr>
-          <a:lstStyle/>
-          <a:p>
-            <a:pPr marL="0" lvl="0" indent="0" algn="l" rtl="0">
-              <a:spcBef>
-                <a:spcPts val="0"/>
-              </a:spcBef>
-              <a:spcAft>
-                <a:spcPts val="0"/>
-              </a:spcAft>
-              <a:buNone/>
-            </a:pPr>
-            <a:endParaRPr/>
-          </a:p>
-        </p:txBody>
-      </p:sp>
-    </p:spTree>
-  </p:cSld>
-  <p:clrMapOvr>
-    <a:masterClrMapping/>
-  </p:clrMapOvr>
-</p:notes>
-</file>
-
-<file path=ppt/notesSlides/notesSlide8.xml><?xml version="1.0" encoding="utf-8"?>
-<p:notes xmlns:a="http://schemas.openxmlformats.org/drawingml/2006/main" xmlns:r="http://schemas.openxmlformats.org/officeDocument/2006/relationships" xmlns:p="http://schemas.openxmlformats.org/presentationml/2006/main" showMasterSp="0" showMasterPhAnim="0">
-  <p:cSld>
-    <p:spTree>
-      <p:nvGrpSpPr>
-        <p:cNvPr id="1" name="Shape 84"/>
-        <p:cNvGrpSpPr/>
-        <p:nvPr/>
-      </p:nvGrpSpPr>
-      <p:grpSpPr>
-        <a:xfrm>
-          <a:off x="0" y="0"/>
-          <a:ext cx="0" cy="0"/>
-          <a:chOff x="0" y="0"/>
-          <a:chExt cx="0" cy="0"/>
-        </a:xfrm>
-      </p:grpSpPr>
-      <p:sp>
-        <p:nvSpPr>
-          <p:cNvPr id="85" name="Google Shape;85;g29f43f0a72_0_24:notes"/>
-          <p:cNvSpPr>
-            <a:spLocks noGrp="1" noRot="1" noChangeAspect="1"/>
-          </p:cNvSpPr>
-          <p:nvPr>
-            <p:ph type="sldImg" idx="2"/>
-          </p:nvPr>
-        </p:nvSpPr>
-        <p:spPr>
-          <a:xfrm>
-            <a:off x="381000" y="685800"/>
-            <a:ext cx="6096000" cy="3429000"/>
-          </a:xfrm>
-          <a:custGeom>
-            <a:avLst/>
-            <a:gdLst/>
-            <a:ahLst/>
-            <a:cxnLst/>
-            <a:rect l="l" t="t" r="r" b="b"/>
-            <a:pathLst>
-              <a:path w="120000" h="120000" extrusionOk="0">
-                <a:moveTo>
-                  <a:pt x="0" y="0"/>
-                </a:moveTo>
-                <a:lnTo>
-                  <a:pt x="120000" y="0"/>
-                </a:lnTo>
-                <a:lnTo>
-                  <a:pt x="120000" y="120000"/>
-                </a:lnTo>
-                <a:lnTo>
-                  <a:pt x="0" y="120000"/>
-                </a:lnTo>
-                <a:close/>
-              </a:path>
-            </a:pathLst>
-          </a:custGeom>
-        </p:spPr>
-      </p:sp>
-      <p:sp>
-        <p:nvSpPr>
-          <p:cNvPr id="86" name="Google Shape;86;g29f43f0a72_0_24:notes"/>
           <p:cNvSpPr txBox="1">
             <a:spLocks noGrp="1"/>
           </p:cNvSpPr>
@@ -1627,11 +1747,6 @@
         </p:txBody>
       </p:sp>
     </p:spTree>
-    <p:extLst>
-      <p:ext uri="{BB962C8B-B14F-4D97-AF65-F5344CB8AC3E}">
-        <p14:creationId xmlns:p14="http://schemas.microsoft.com/office/powerpoint/2010/main" val="1670223539"/>
-      </p:ext>
-    </p:extLst>
   </p:cSld>
   <p:clrMapOvr>
     <a:masterClrMapping/>
@@ -6967,6 +7082,336 @@
 </p:sld>
 </file>
 
+<file path=ppt/slides/slide10.xml><?xml version="1.0" encoding="utf-8"?>
+<p:sld xmlns:a="http://schemas.openxmlformats.org/drawingml/2006/main" xmlns:r="http://schemas.openxmlformats.org/officeDocument/2006/relationships" xmlns:p="http://schemas.openxmlformats.org/presentationml/2006/main">
+  <p:cSld>
+    <p:bg>
+      <p:bgPr>
+        <a:solidFill>
+          <a:schemeClr val="bg1">
+            <a:lumMod val="85000"/>
+          </a:schemeClr>
+        </a:solidFill>
+        <a:effectLst/>
+      </p:bgPr>
+    </p:bg>
+    <p:spTree>
+      <p:nvGrpSpPr>
+        <p:cNvPr id="1" name="Shape 87"/>
+        <p:cNvGrpSpPr/>
+        <p:nvPr/>
+      </p:nvGrpSpPr>
+      <p:grpSpPr>
+        <a:xfrm>
+          <a:off x="0" y="0"/>
+          <a:ext cx="0" cy="0"/>
+          <a:chOff x="0" y="0"/>
+          <a:chExt cx="0" cy="0"/>
+        </a:xfrm>
+      </p:grpSpPr>
+      <p:sp>
+        <p:nvSpPr>
+          <p:cNvPr id="88" name="Google Shape;88;p19"/>
+          <p:cNvSpPr txBox="1">
+            <a:spLocks noGrp="1"/>
+          </p:cNvSpPr>
+          <p:nvPr>
+            <p:ph type="title"/>
+          </p:nvPr>
+        </p:nvSpPr>
+        <p:spPr>
+          <a:xfrm>
+            <a:off x="311700" y="445025"/>
+            <a:ext cx="8520600" cy="572700"/>
+          </a:xfrm>
+          <a:prstGeom prst="rect">
+            <a:avLst/>
+          </a:prstGeom>
+        </p:spPr>
+        <p:txBody>
+          <a:bodyPr spcFirstLastPara="1" wrap="square" lIns="91425" tIns="91425" rIns="91425" bIns="91425" anchor="t" anchorCtr="0">
+            <a:noAutofit/>
+          </a:bodyPr>
+          <a:lstStyle/>
+          <a:p>
+            <a:pPr marL="0" lvl="0" indent="0" algn="ctr" rtl="0">
+              <a:spcBef>
+                <a:spcPts val="0"/>
+              </a:spcBef>
+              <a:spcAft>
+                <a:spcPts val="0"/>
+              </a:spcAft>
+              <a:buNone/>
+            </a:pPr>
+            <a:endParaRPr sz="3200" dirty="0">
+              <a:latin typeface="Abadi MT Condensed Light" panose="020B0306030101010103" pitchFamily="34" charset="77"/>
+            </a:endParaRPr>
+          </a:p>
+        </p:txBody>
+      </p:sp>
+      <p:sp>
+        <p:nvSpPr>
+          <p:cNvPr id="89" name="Google Shape;89;p19"/>
+          <p:cNvSpPr txBox="1">
+            <a:spLocks noGrp="1"/>
+          </p:cNvSpPr>
+          <p:nvPr>
+            <p:ph type="body" idx="1"/>
+          </p:nvPr>
+        </p:nvSpPr>
+        <p:spPr>
+          <a:xfrm>
+            <a:off x="311700" y="1017725"/>
+            <a:ext cx="8520600" cy="3416400"/>
+          </a:xfrm>
+          <a:prstGeom prst="rect">
+            <a:avLst/>
+          </a:prstGeom>
+        </p:spPr>
+        <p:txBody>
+          <a:bodyPr spcFirstLastPara="1" wrap="square" lIns="91425" tIns="91425" rIns="91425" bIns="91425" anchor="t" anchorCtr="0">
+            <a:noAutofit/>
+          </a:bodyPr>
+          <a:lstStyle/>
+          <a:p>
+            <a:pPr marL="114300" lvl="0" indent="0" algn="ctr" rtl="0">
+              <a:spcBef>
+                <a:spcPts val="0"/>
+              </a:spcBef>
+              <a:spcAft>
+                <a:spcPts val="0"/>
+              </a:spcAft>
+              <a:buSzPts val="1800"/>
+              <a:buNone/>
+            </a:pPr>
+            <a:r>
+              <a:rPr lang="en-CA" sz="6000" dirty="0">
+                <a:solidFill>
+                  <a:schemeClr val="tx1"/>
+                </a:solidFill>
+                <a:latin typeface="Abadi" panose="020F0502020204030204" pitchFamily="34" charset="0"/>
+                <a:cs typeface="Abadi" panose="020F0502020204030204" pitchFamily="34" charset="0"/>
+              </a:rPr>
+              <a:t>The End </a:t>
+            </a:r>
+          </a:p>
+          <a:p>
+            <a:pPr marL="114300" lvl="0" indent="0" algn="ctr" rtl="0">
+              <a:spcBef>
+                <a:spcPts val="0"/>
+              </a:spcBef>
+              <a:spcAft>
+                <a:spcPts val="0"/>
+              </a:spcAft>
+              <a:buSzPts val="1800"/>
+              <a:buNone/>
+            </a:pPr>
+            <a:r>
+              <a:rPr lang="en-CA" sz="6000" dirty="0">
+                <a:solidFill>
+                  <a:srgbClr val="75C4FF"/>
+                </a:solidFill>
+                <a:latin typeface="Abadi" panose="020F0502020204030204" pitchFamily="34" charset="0"/>
+                <a:cs typeface="Abadi" panose="020F0502020204030204" pitchFamily="34" charset="0"/>
+              </a:rPr>
+              <a:t>Thank You!</a:t>
+            </a:r>
+            <a:endParaRPr lang="en" sz="6000" dirty="0">
+              <a:solidFill>
+                <a:srgbClr val="75C4FF"/>
+              </a:solidFill>
+              <a:latin typeface="Abadi" panose="020F0502020204030204" pitchFamily="34" charset="0"/>
+              <a:cs typeface="Abadi" panose="020F0502020204030204" pitchFamily="34" charset="0"/>
+            </a:endParaRPr>
+          </a:p>
+          <a:p>
+            <a:pPr marL="457200" lvl="0" indent="-342900" algn="l" rtl="0">
+              <a:spcBef>
+                <a:spcPts val="0"/>
+              </a:spcBef>
+              <a:spcAft>
+                <a:spcPts val="0"/>
+              </a:spcAft>
+              <a:buSzPts val="1800"/>
+              <a:buFont typeface="+mj-lt"/>
+              <a:buAutoNum type="arabicPeriod"/>
+            </a:pPr>
+            <a:endParaRPr lang="en" dirty="0"/>
+          </a:p>
+          <a:p>
+            <a:pPr marL="457200" lvl="0" indent="-342900" algn="l" rtl="0">
+              <a:spcBef>
+                <a:spcPts val="0"/>
+              </a:spcBef>
+              <a:spcAft>
+                <a:spcPts val="0"/>
+              </a:spcAft>
+              <a:buSzPts val="1800"/>
+              <a:buChar char="●"/>
+            </a:pPr>
+            <a:endParaRPr dirty="0"/>
+          </a:p>
+        </p:txBody>
+      </p:sp>
+    </p:spTree>
+    <p:extLst>
+      <p:ext uri="{BB962C8B-B14F-4D97-AF65-F5344CB8AC3E}">
+        <p14:creationId xmlns:p14="http://schemas.microsoft.com/office/powerpoint/2010/main" val="3050889110"/>
+      </p:ext>
+    </p:extLst>
+  </p:cSld>
+  <p:clrMapOvr>
+    <a:masterClrMapping/>
+  </p:clrMapOvr>
+  <p:timing>
+    <p:tnLst>
+      <p:par>
+        <p:cTn id="1" dur="indefinite" restart="never" nodeType="tmRoot">
+          <p:childTnLst>
+            <p:seq concurrent="1" nextAc="seek">
+              <p:cTn id="2" dur="indefinite" nodeType="mainSeq">
+                <p:childTnLst>
+                  <p:par>
+                    <p:cTn id="3" fill="hold">
+                      <p:stCondLst>
+                        <p:cond delay="indefinite"/>
+                        <p:cond evt="onBegin" delay="0">
+                          <p:tn val="2"/>
+                        </p:cond>
+                      </p:stCondLst>
+                      <p:childTnLst>
+                        <p:par>
+                          <p:cTn id="4" fill="hold">
+                            <p:stCondLst>
+                              <p:cond delay="0"/>
+                            </p:stCondLst>
+                            <p:childTnLst>
+                              <p:par>
+                                <p:cTn id="5" presetID="16" presetClass="entr" presetSubtype="21" fill="hold" nodeType="withEffect">
+                                  <p:stCondLst>
+                                    <p:cond delay="0"/>
+                                  </p:stCondLst>
+                                  <p:childTnLst>
+                                    <p:set>
+                                      <p:cBhvr>
+                                        <p:cTn id="6" dur="1" fill="hold">
+                                          <p:stCondLst>
+                                            <p:cond delay="0"/>
+                                          </p:stCondLst>
+                                        </p:cTn>
+                                        <p:tgtEl>
+                                          <p:spTgt spid="89">
+                                            <p:txEl>
+                                              <p:pRg st="0" end="0"/>
+                                            </p:txEl>
+                                          </p:spTgt>
+                                        </p:tgtEl>
+                                        <p:attrNameLst>
+                                          <p:attrName>style.visibility</p:attrName>
+                                        </p:attrNameLst>
+                                      </p:cBhvr>
+                                      <p:to>
+                                        <p:strVal val="visible"/>
+                                      </p:to>
+                                    </p:set>
+                                    <p:animEffect transition="in" filter="barn(inVertical)">
+                                      <p:cBhvr>
+                                        <p:cTn id="7" dur="500"/>
+                                        <p:tgtEl>
+                                          <p:spTgt spid="89">
+                                            <p:txEl>
+                                              <p:pRg st="0" end="0"/>
+                                            </p:txEl>
+                                          </p:spTgt>
+                                        </p:tgtEl>
+                                      </p:cBhvr>
+                                    </p:animEffect>
+                                  </p:childTnLst>
+                                </p:cTn>
+                              </p:par>
+                            </p:childTnLst>
+                          </p:cTn>
+                        </p:par>
+                        <p:par>
+                          <p:cTn id="8" fill="hold">
+                            <p:stCondLst>
+                              <p:cond delay="500"/>
+                            </p:stCondLst>
+                            <p:childTnLst>
+                              <p:par>
+                                <p:cTn id="9" presetID="16" presetClass="entr" presetSubtype="21" fill="hold" nodeType="afterEffect">
+                                  <p:stCondLst>
+                                    <p:cond delay="0"/>
+                                  </p:stCondLst>
+                                  <p:childTnLst>
+                                    <p:set>
+                                      <p:cBhvr>
+                                        <p:cTn id="10" dur="1" fill="hold">
+                                          <p:stCondLst>
+                                            <p:cond delay="0"/>
+                                          </p:stCondLst>
+                                        </p:cTn>
+                                        <p:tgtEl>
+                                          <p:spTgt spid="89">
+                                            <p:txEl>
+                                              <p:pRg st="1" end="1"/>
+                                            </p:txEl>
+                                          </p:spTgt>
+                                        </p:tgtEl>
+                                        <p:attrNameLst>
+                                          <p:attrName>style.visibility</p:attrName>
+                                        </p:attrNameLst>
+                                      </p:cBhvr>
+                                      <p:to>
+                                        <p:strVal val="visible"/>
+                                      </p:to>
+                                    </p:set>
+                                    <p:animEffect transition="in" filter="barn(inVertical)">
+                                      <p:cBhvr>
+                                        <p:cTn id="11" dur="500"/>
+                                        <p:tgtEl>
+                                          <p:spTgt spid="89">
+                                            <p:txEl>
+                                              <p:pRg st="1" end="1"/>
+                                            </p:txEl>
+                                          </p:spTgt>
+                                        </p:tgtEl>
+                                      </p:cBhvr>
+                                    </p:animEffect>
+                                  </p:childTnLst>
+                                </p:cTn>
+                              </p:par>
+                            </p:childTnLst>
+                          </p:cTn>
+                        </p:par>
+                      </p:childTnLst>
+                    </p:cTn>
+                  </p:par>
+                </p:childTnLst>
+              </p:cTn>
+              <p:prevCondLst>
+                <p:cond evt="onPrev" delay="0">
+                  <p:tgtEl>
+                    <p:sldTgt/>
+                  </p:tgtEl>
+                </p:cond>
+              </p:prevCondLst>
+              <p:nextCondLst>
+                <p:cond evt="onNext" delay="0">
+                  <p:tgtEl>
+                    <p:sldTgt/>
+                  </p:tgtEl>
+                </p:cond>
+              </p:nextCondLst>
+            </p:seq>
+          </p:childTnLst>
+        </p:cTn>
+      </p:par>
+    </p:tnLst>
+  </p:timing>
+</p:sld>
+</file>
+
 <file path=ppt/slides/slide2.xml><?xml version="1.0" encoding="utf-8"?>
 <p:sld xmlns:a="http://schemas.openxmlformats.org/drawingml/2006/main" xmlns:r="http://schemas.openxmlformats.org/officeDocument/2006/relationships" xmlns:p="http://schemas.openxmlformats.org/presentationml/2006/main">
   <p:cSld>
@@ -9134,6 +9579,361 @@
   <p:cSld>
     <p:bg>
       <p:bgPr>
+        <a:blipFill dpi="0" rotWithShape="1">
+          <a:blip r:embed="rId3">
+            <a:alphaModFix amt="20000"/>
+            <a:lum/>
+          </a:blip>
+          <a:srcRect/>
+          <a:stretch>
+            <a:fillRect t="-9000" b="-9000"/>
+          </a:stretch>
+        </a:blipFill>
+        <a:effectLst/>
+      </p:bgPr>
+    </p:bg>
+    <p:spTree>
+      <p:nvGrpSpPr>
+        <p:cNvPr id="1" name="Shape 70"/>
+        <p:cNvGrpSpPr/>
+        <p:nvPr/>
+      </p:nvGrpSpPr>
+      <p:grpSpPr>
+        <a:xfrm>
+          <a:off x="0" y="0"/>
+          <a:ext cx="0" cy="0"/>
+          <a:chOff x="0" y="0"/>
+          <a:chExt cx="0" cy="0"/>
+        </a:xfrm>
+      </p:grpSpPr>
+      <p:sp>
+        <p:nvSpPr>
+          <p:cNvPr id="71" name="Google Shape;71;p16"/>
+          <p:cNvSpPr txBox="1">
+            <a:spLocks noGrp="1"/>
+          </p:cNvSpPr>
+          <p:nvPr>
+            <p:ph type="title"/>
+          </p:nvPr>
+        </p:nvSpPr>
+        <p:spPr>
+          <a:xfrm>
+            <a:off x="311700" y="445025"/>
+            <a:ext cx="8520600" cy="572700"/>
+          </a:xfrm>
+          <a:prstGeom prst="rect">
+            <a:avLst/>
+          </a:prstGeom>
+        </p:spPr>
+        <p:txBody>
+          <a:bodyPr spcFirstLastPara="1" wrap="square" lIns="91425" tIns="91425" rIns="91425" bIns="91425" anchor="t" anchorCtr="0">
+            <a:noAutofit/>
+          </a:bodyPr>
+          <a:lstStyle/>
+          <a:p>
+            <a:pPr marL="0" lvl="0" indent="0" algn="ctr" rtl="0">
+              <a:spcBef>
+                <a:spcPts val="0"/>
+              </a:spcBef>
+              <a:spcAft>
+                <a:spcPts val="0"/>
+              </a:spcAft>
+              <a:buNone/>
+            </a:pPr>
+            <a:r>
+              <a:rPr lang="en" b="1" dirty="0">
+                <a:latin typeface="Abadi" panose="020F0502020204030204" pitchFamily="34" charset="0"/>
+                <a:cs typeface="Abadi" panose="020F0502020204030204" pitchFamily="34" charset="0"/>
+              </a:rPr>
+              <a:t>Individual Roles</a:t>
+            </a:r>
+            <a:endParaRPr b="1" dirty="0">
+              <a:latin typeface="Abadi" panose="020F0502020204030204" pitchFamily="34" charset="0"/>
+              <a:cs typeface="Abadi" panose="020F0502020204030204" pitchFamily="34" charset="0"/>
+            </a:endParaRPr>
+          </a:p>
+        </p:txBody>
+      </p:sp>
+      <p:sp>
+        <p:nvSpPr>
+          <p:cNvPr id="72" name="Google Shape;72;p16"/>
+          <p:cNvSpPr txBox="1">
+            <a:spLocks noGrp="1"/>
+          </p:cNvSpPr>
+          <p:nvPr>
+            <p:ph type="body" idx="1"/>
+          </p:nvPr>
+        </p:nvSpPr>
+        <p:spPr>
+          <a:xfrm>
+            <a:off x="311700" y="1701210"/>
+            <a:ext cx="8520600" cy="1538596"/>
+          </a:xfrm>
+          <a:prstGeom prst="rect">
+            <a:avLst/>
+          </a:prstGeom>
+        </p:spPr>
+        <p:txBody>
+          <a:bodyPr spcFirstLastPara="1" wrap="square" lIns="91425" tIns="91425" rIns="91425" bIns="91425" anchor="t" anchorCtr="0">
+            <a:noAutofit/>
+          </a:bodyPr>
+          <a:lstStyle/>
+          <a:p>
+            <a:pPr marL="114300" lvl="0" indent="0" algn="ctr">
+              <a:buNone/>
+            </a:pPr>
+            <a:endParaRPr lang="en-CA" b="1" dirty="0">
+              <a:solidFill>
+                <a:schemeClr val="tx1"/>
+              </a:solidFill>
+            </a:endParaRPr>
+          </a:p>
+        </p:txBody>
+      </p:sp>
+      <p:pic>
+        <p:nvPicPr>
+          <p:cNvPr id="4" name="Picture 3" descr="A screenshot of a computer&#10;&#10;Description automatically generated with medium confidence">
+            <a:extLst>
+              <a:ext uri="{FF2B5EF4-FFF2-40B4-BE49-F238E27FC236}">
+                <a16:creationId xmlns:a16="http://schemas.microsoft.com/office/drawing/2014/main" id="{663437C6-B1BA-8A47-8BFA-F8DC45CEB2D7}"/>
+              </a:ext>
+            </a:extLst>
+          </p:cNvPr>
+          <p:cNvPicPr>
+            <a:picLocks noChangeAspect="1"/>
+          </p:cNvPicPr>
+          <p:nvPr/>
+        </p:nvPicPr>
+        <p:blipFill>
+          <a:blip r:embed="rId4"/>
+          <a:stretch>
+            <a:fillRect/>
+          </a:stretch>
+        </p:blipFill>
+        <p:spPr>
+          <a:xfrm>
+            <a:off x="236452" y="1443778"/>
+            <a:ext cx="8671095" cy="3254697"/>
+          </a:xfrm>
+          <a:prstGeom prst="rect">
+            <a:avLst/>
+          </a:prstGeom>
+          <a:ln w="127000" cap="sq">
+            <a:solidFill>
+              <a:srgbClr val="000000"/>
+            </a:solidFill>
+            <a:miter lim="800000"/>
+          </a:ln>
+          <a:effectLst>
+            <a:outerShdw blurRad="57150" dist="50800" dir="2700000" algn="tl" rotWithShape="0">
+              <a:srgbClr val="000000">
+                <a:alpha val="40000"/>
+              </a:srgbClr>
+            </a:outerShdw>
+          </a:effectLst>
+        </p:spPr>
+      </p:pic>
+    </p:spTree>
+    <p:extLst>
+      <p:ext uri="{BB962C8B-B14F-4D97-AF65-F5344CB8AC3E}">
+        <p14:creationId xmlns:p14="http://schemas.microsoft.com/office/powerpoint/2010/main" val="4148123087"/>
+      </p:ext>
+    </p:extLst>
+  </p:cSld>
+  <p:clrMapOvr>
+    <a:masterClrMapping/>
+  </p:clrMapOvr>
+  <p:timing>
+    <p:tnLst>
+      <p:par>
+        <p:cTn id="1" dur="indefinite" restart="never" nodeType="tmRoot">
+          <p:childTnLst>
+            <p:seq concurrent="1" nextAc="seek">
+              <p:cTn id="2" dur="indefinite" nodeType="mainSeq">
+                <p:childTnLst>
+                  <p:par>
+                    <p:cTn id="3" fill="hold">
+                      <p:stCondLst>
+                        <p:cond delay="indefinite"/>
+                        <p:cond evt="onBegin" delay="0">
+                          <p:tn val="2"/>
+                        </p:cond>
+                      </p:stCondLst>
+                      <p:childTnLst>
+                        <p:par>
+                          <p:cTn id="4" fill="hold">
+                            <p:stCondLst>
+                              <p:cond delay="0"/>
+                            </p:stCondLst>
+                            <p:childTnLst>
+                              <p:par>
+                                <p:cTn id="5" presetID="31" presetClass="entr" presetSubtype="0" fill="hold" grpId="0" nodeType="withEffect" nodePh="1">
+                                  <p:stCondLst>
+                                    <p:cond delay="0"/>
+                                  </p:stCondLst>
+                                  <p:endCondLst>
+                                    <p:cond evt="begin" delay="0">
+                                      <p:tn val="5"/>
+                                    </p:cond>
+                                  </p:endCondLst>
+                                  <p:childTnLst>
+                                    <p:set>
+                                      <p:cBhvr>
+                                        <p:cTn id="6" dur="1" fill="hold">
+                                          <p:stCondLst>
+                                            <p:cond delay="0"/>
+                                          </p:stCondLst>
+                                        </p:cTn>
+                                        <p:tgtEl>
+                                          <p:spTgt spid="72">
+                                            <p:txEl>
+                                              <p:pRg st="0" end="0"/>
+                                            </p:txEl>
+                                          </p:spTgt>
+                                        </p:tgtEl>
+                                        <p:attrNameLst>
+                                          <p:attrName>style.visibility</p:attrName>
+                                        </p:attrNameLst>
+                                      </p:cBhvr>
+                                      <p:to>
+                                        <p:strVal val="visible"/>
+                                      </p:to>
+                                    </p:set>
+                                    <p:anim calcmode="lin" valueType="num">
+                                      <p:cBhvr>
+                                        <p:cTn id="7" dur="1000" fill="hold"/>
+                                        <p:tgtEl>
+                                          <p:spTgt spid="72">
+                                            <p:txEl>
+                                              <p:pRg st="0" end="0"/>
+                                            </p:txEl>
+                                          </p:spTgt>
+                                        </p:tgtEl>
+                                        <p:attrNameLst>
+                                          <p:attrName>ppt_w</p:attrName>
+                                        </p:attrNameLst>
+                                      </p:cBhvr>
+                                      <p:tavLst>
+                                        <p:tav tm="0">
+                                          <p:val>
+                                            <p:fltVal val="0"/>
+                                          </p:val>
+                                        </p:tav>
+                                        <p:tav tm="100000">
+                                          <p:val>
+                                            <p:strVal val="#ppt_w"/>
+                                          </p:val>
+                                        </p:tav>
+                                      </p:tavLst>
+                                    </p:anim>
+                                    <p:anim calcmode="lin" valueType="num">
+                                      <p:cBhvr>
+                                        <p:cTn id="8" dur="1000" fill="hold"/>
+                                        <p:tgtEl>
+                                          <p:spTgt spid="72">
+                                            <p:txEl>
+                                              <p:pRg st="0" end="0"/>
+                                            </p:txEl>
+                                          </p:spTgt>
+                                        </p:tgtEl>
+                                        <p:attrNameLst>
+                                          <p:attrName>ppt_h</p:attrName>
+                                        </p:attrNameLst>
+                                      </p:cBhvr>
+                                      <p:tavLst>
+                                        <p:tav tm="0">
+                                          <p:val>
+                                            <p:fltVal val="0"/>
+                                          </p:val>
+                                        </p:tav>
+                                        <p:tav tm="100000">
+                                          <p:val>
+                                            <p:strVal val="#ppt_h"/>
+                                          </p:val>
+                                        </p:tav>
+                                      </p:tavLst>
+                                    </p:anim>
+                                    <p:anim calcmode="lin" valueType="num">
+                                      <p:cBhvr>
+                                        <p:cTn id="9" dur="1000" fill="hold"/>
+                                        <p:tgtEl>
+                                          <p:spTgt spid="72">
+                                            <p:txEl>
+                                              <p:pRg st="0" end="0"/>
+                                            </p:txEl>
+                                          </p:spTgt>
+                                        </p:tgtEl>
+                                        <p:attrNameLst>
+                                          <p:attrName>style.rotation</p:attrName>
+                                        </p:attrNameLst>
+                                      </p:cBhvr>
+                                      <p:tavLst>
+                                        <p:tav tm="0">
+                                          <p:val>
+                                            <p:fltVal val="90"/>
+                                          </p:val>
+                                        </p:tav>
+                                        <p:tav tm="100000">
+                                          <p:val>
+                                            <p:fltVal val="0"/>
+                                          </p:val>
+                                        </p:tav>
+                                      </p:tavLst>
+                                    </p:anim>
+                                    <p:animEffect transition="in" filter="fade">
+                                      <p:cBhvr>
+                                        <p:cTn id="10" dur="1000"/>
+                                        <p:tgtEl>
+                                          <p:spTgt spid="72">
+                                            <p:txEl>
+                                              <p:pRg st="0" end="0"/>
+                                            </p:txEl>
+                                          </p:spTgt>
+                                        </p:tgtEl>
+                                      </p:cBhvr>
+                                    </p:animEffect>
+                                  </p:childTnLst>
+                                </p:cTn>
+                              </p:par>
+                            </p:childTnLst>
+                          </p:cTn>
+                        </p:par>
+                      </p:childTnLst>
+                    </p:cTn>
+                  </p:par>
+                </p:childTnLst>
+              </p:cTn>
+              <p:prevCondLst>
+                <p:cond evt="onPrev" delay="0">
+                  <p:tgtEl>
+                    <p:sldTgt/>
+                  </p:tgtEl>
+                </p:cond>
+              </p:prevCondLst>
+              <p:nextCondLst>
+                <p:cond evt="onNext" delay="0">
+                  <p:tgtEl>
+                    <p:sldTgt/>
+                  </p:tgtEl>
+                </p:cond>
+              </p:nextCondLst>
+            </p:seq>
+          </p:childTnLst>
+        </p:cTn>
+      </p:par>
+    </p:tnLst>
+    <p:bldLst>
+      <p:bldP spid="72" grpId="0" build="p"/>
+    </p:bldLst>
+  </p:timing>
+</p:sld>
+</file>
+
+<file path=ppt/slides/slide7.xml><?xml version="1.0" encoding="utf-8"?>
+<p:sld xmlns:a="http://schemas.openxmlformats.org/drawingml/2006/main" xmlns:r="http://schemas.openxmlformats.org/officeDocument/2006/relationships" xmlns:p="http://schemas.openxmlformats.org/presentationml/2006/main">
+  <p:cSld>
+    <p:bg>
+      <p:bgPr>
         <a:solidFill>
           <a:schemeClr val="bg1">
             <a:lumMod val="85000"/>
@@ -9263,7 +10063,7 @@
 </p:sld>
 </file>
 
-<file path=ppt/slides/slide7.xml><?xml version="1.0" encoding="utf-8"?>
+<file path=ppt/slides/slide8.xml><?xml version="1.0" encoding="utf-8"?>
 <p:sld xmlns:a="http://schemas.openxmlformats.org/drawingml/2006/main" xmlns:r="http://schemas.openxmlformats.org/officeDocument/2006/relationships" xmlns:p="http://schemas.openxmlformats.org/presentationml/2006/main">
   <p:cSld>
     <p:bg>
@@ -9692,180 +10492,6 @@
 </p:sld>
 </file>
 
-<file path=ppt/slides/slide8.xml><?xml version="1.0" encoding="utf-8"?>
-<p:sld xmlns:a="http://schemas.openxmlformats.org/drawingml/2006/main" xmlns:r="http://schemas.openxmlformats.org/officeDocument/2006/relationships" xmlns:p="http://schemas.openxmlformats.org/presentationml/2006/main">
-  <p:cSld>
-    <p:bg>
-      <p:bgPr>
-        <a:solidFill>
-          <a:schemeClr val="bg1">
-            <a:lumMod val="85000"/>
-          </a:schemeClr>
-        </a:solidFill>
-        <a:effectLst/>
-      </p:bgPr>
-    </p:bg>
-    <p:spTree>
-      <p:nvGrpSpPr>
-        <p:cNvPr id="1" name="Shape 87"/>
-        <p:cNvGrpSpPr/>
-        <p:nvPr/>
-      </p:nvGrpSpPr>
-      <p:grpSpPr>
-        <a:xfrm>
-          <a:off x="0" y="0"/>
-          <a:ext cx="0" cy="0"/>
-          <a:chOff x="0" y="0"/>
-          <a:chExt cx="0" cy="0"/>
-        </a:xfrm>
-      </p:grpSpPr>
-      <p:sp>
-        <p:nvSpPr>
-          <p:cNvPr id="88" name="Google Shape;88;p19"/>
-          <p:cNvSpPr txBox="1">
-            <a:spLocks noGrp="1"/>
-          </p:cNvSpPr>
-          <p:nvPr>
-            <p:ph type="title"/>
-          </p:nvPr>
-        </p:nvSpPr>
-        <p:spPr>
-          <a:xfrm>
-            <a:off x="311700" y="445025"/>
-            <a:ext cx="8520600" cy="572700"/>
-          </a:xfrm>
-          <a:prstGeom prst="rect">
-            <a:avLst/>
-          </a:prstGeom>
-        </p:spPr>
-        <p:txBody>
-          <a:bodyPr spcFirstLastPara="1" wrap="square" lIns="91425" tIns="91425" rIns="91425" bIns="91425" anchor="t" anchorCtr="0">
-            <a:noAutofit/>
-          </a:bodyPr>
-          <a:lstStyle/>
-          <a:p>
-            <a:pPr marL="0" lvl="0" indent="0" algn="ctr" rtl="0">
-              <a:spcBef>
-                <a:spcPts val="0"/>
-              </a:spcBef>
-              <a:spcAft>
-                <a:spcPts val="0"/>
-              </a:spcAft>
-              <a:buNone/>
-            </a:pPr>
-            <a:r>
-              <a:rPr lang="en" sz="3200" dirty="0">
-                <a:latin typeface="Abadi MT Condensed Light" panose="020B0306030101010103" pitchFamily="34" charset="77"/>
-              </a:rPr>
-              <a:t>Links:</a:t>
-            </a:r>
-            <a:endParaRPr sz="3200" dirty="0">
-              <a:latin typeface="Abadi MT Condensed Light" panose="020B0306030101010103" pitchFamily="34" charset="77"/>
-            </a:endParaRPr>
-          </a:p>
-        </p:txBody>
-      </p:sp>
-      <p:sp>
-        <p:nvSpPr>
-          <p:cNvPr id="89" name="Google Shape;89;p19"/>
-          <p:cNvSpPr txBox="1">
-            <a:spLocks noGrp="1"/>
-          </p:cNvSpPr>
-          <p:nvPr>
-            <p:ph type="body" idx="1"/>
-          </p:nvPr>
-        </p:nvSpPr>
-        <p:spPr>
-          <a:xfrm>
-            <a:off x="311700" y="1152475"/>
-            <a:ext cx="8520600" cy="3416400"/>
-          </a:xfrm>
-          <a:prstGeom prst="rect">
-            <a:avLst/>
-          </a:prstGeom>
-        </p:spPr>
-        <p:txBody>
-          <a:bodyPr spcFirstLastPara="1" wrap="square" lIns="91425" tIns="91425" rIns="91425" bIns="91425" anchor="t" anchorCtr="0">
-            <a:noAutofit/>
-          </a:bodyPr>
-          <a:lstStyle/>
-          <a:p>
-            <a:pPr marL="457200" lvl="0" indent="-342900" algn="l" rtl="0">
-              <a:spcBef>
-                <a:spcPts val="0"/>
-              </a:spcBef>
-              <a:spcAft>
-                <a:spcPts val="0"/>
-              </a:spcAft>
-              <a:buSzPts val="1800"/>
-              <a:buFont typeface="+mj-lt"/>
-              <a:buAutoNum type="arabicPeriod"/>
-            </a:pPr>
-            <a:r>
-              <a:rPr lang="en-CA" dirty="0">
-                <a:hlinkClick r:id="rId3"/>
-              </a:rPr>
-              <a:t>Stock of The Talk Website.</a:t>
-            </a:r>
-            <a:endParaRPr dirty="0"/>
-          </a:p>
-          <a:p>
-            <a:pPr marL="457200" lvl="0" indent="-342900" algn="l" rtl="0">
-              <a:spcBef>
-                <a:spcPts val="0"/>
-              </a:spcBef>
-              <a:spcAft>
-                <a:spcPts val="0"/>
-              </a:spcAft>
-              <a:buSzPts val="1800"/>
-              <a:buFont typeface="+mj-lt"/>
-              <a:buAutoNum type="arabicPeriod"/>
-            </a:pPr>
-            <a:r>
-              <a:rPr lang="en" dirty="0">
-                <a:hlinkClick r:id="rId4"/>
-              </a:rPr>
-              <a:t>GitHub repo</a:t>
-            </a:r>
-            <a:endParaRPr lang="en" dirty="0"/>
-          </a:p>
-          <a:p>
-            <a:pPr marL="457200" lvl="0" indent="-342900" algn="l" rtl="0">
-              <a:spcBef>
-                <a:spcPts val="0"/>
-              </a:spcBef>
-              <a:spcAft>
-                <a:spcPts val="0"/>
-              </a:spcAft>
-              <a:buSzPts val="1800"/>
-              <a:buFont typeface="+mj-lt"/>
-              <a:buAutoNum type="arabicPeriod"/>
-            </a:pPr>
-            <a:endParaRPr lang="en" dirty="0"/>
-          </a:p>
-          <a:p>
-            <a:pPr marL="457200" lvl="0" indent="-342900" algn="l" rtl="0">
-              <a:spcBef>
-                <a:spcPts val="0"/>
-              </a:spcBef>
-              <a:spcAft>
-                <a:spcPts val="0"/>
-              </a:spcAft>
-              <a:buSzPts val="1800"/>
-              <a:buChar char="●"/>
-            </a:pPr>
-            <a:endParaRPr dirty="0"/>
-          </a:p>
-        </p:txBody>
-      </p:sp>
-    </p:spTree>
-  </p:cSld>
-  <p:clrMapOvr>
-    <a:masterClrMapping/>
-  </p:clrMapOvr>
-</p:sld>
-</file>
-
 <file path=ppt/slides/slide9.xml><?xml version="1.0" encoding="utf-8"?>
 <p:sld xmlns:a="http://schemas.openxmlformats.org/drawingml/2006/main" xmlns:r="http://schemas.openxmlformats.org/officeDocument/2006/relationships" xmlns:p="http://schemas.openxmlformats.org/presentationml/2006/main">
   <p:cSld>
@@ -9927,6 +10553,12 @@
               </a:spcAft>
               <a:buNone/>
             </a:pPr>
+            <a:r>
+              <a:rPr lang="en" sz="3200" dirty="0">
+                <a:latin typeface="Abadi MT Condensed Light" panose="020B0306030101010103" pitchFamily="34" charset="77"/>
+              </a:rPr>
+              <a:t>Links:</a:t>
+            </a:r>
             <a:endParaRPr sz="3200" dirty="0">
               <a:latin typeface="Abadi MT Condensed Light" panose="020B0306030101010103" pitchFamily="34" charset="77"/>
             </a:endParaRPr>
@@ -9945,7 +10577,7 @@
         </p:nvSpPr>
         <p:spPr>
           <a:xfrm>
-            <a:off x="311700" y="1017725"/>
+            <a:off x="311700" y="1152475"/>
             <a:ext cx="8520600" cy="3416400"/>
           </a:xfrm>
           <a:prstGeom prst="rect">
@@ -9958,7 +10590,7 @@
           </a:bodyPr>
           <a:lstStyle/>
           <a:p>
-            <a:pPr marL="114300" lvl="0" indent="0" algn="ctr" rtl="0">
+            <a:pPr marL="457200" lvl="0" indent="-342900" algn="l" rtl="0">
               <a:spcBef>
                 <a:spcPts val="0"/>
               </a:spcBef>
@@ -9966,21 +10598,19 @@
                 <a:spcPts val="0"/>
               </a:spcAft>
               <a:buSzPts val="1800"/>
-              <a:buNone/>
+              <a:buFont typeface="+mj-lt"/>
+              <a:buAutoNum type="arabicPeriod"/>
             </a:pPr>
             <a:r>
-              <a:rPr lang="en-CA" sz="6000" dirty="0">
-                <a:solidFill>
-                  <a:schemeClr val="tx1"/>
-                </a:solidFill>
-                <a:latin typeface="Abadi" panose="020F0502020204030204" pitchFamily="34" charset="0"/>
-                <a:cs typeface="Abadi" panose="020F0502020204030204" pitchFamily="34" charset="0"/>
+              <a:rPr lang="en-CA" dirty="0">
+                <a:hlinkClick r:id="rId3"/>
               </a:rPr>
-              <a:t>The End </a:t>
+              <a:t>Stock of The Talk Website.</a:t>
             </a:r>
+            <a:endParaRPr dirty="0"/>
           </a:p>
           <a:p>
-            <a:pPr marL="114300" lvl="0" indent="0" algn="ctr" rtl="0">
+            <a:pPr marL="457200" lvl="0" indent="-342900" algn="l" rtl="0">
               <a:spcBef>
                 <a:spcPts val="0"/>
               </a:spcBef>
@@ -9988,25 +10618,16 @@
                 <a:spcPts val="0"/>
               </a:spcAft>
               <a:buSzPts val="1800"/>
-              <a:buNone/>
+              <a:buFont typeface="+mj-lt"/>
+              <a:buAutoNum type="arabicPeriod"/>
             </a:pPr>
             <a:r>
-              <a:rPr lang="en-CA" sz="6000" dirty="0">
-                <a:solidFill>
-                  <a:srgbClr val="75C4FF"/>
-                </a:solidFill>
-                <a:latin typeface="Abadi" panose="020F0502020204030204" pitchFamily="34" charset="0"/>
-                <a:cs typeface="Abadi" panose="020F0502020204030204" pitchFamily="34" charset="0"/>
+              <a:rPr lang="en" dirty="0">
+                <a:hlinkClick r:id="rId4"/>
               </a:rPr>
-              <a:t>Thank You!</a:t>
+              <a:t>GitHub repo</a:t>
             </a:r>
-            <a:endParaRPr lang="en" sz="6000" dirty="0">
-              <a:solidFill>
-                <a:srgbClr val="75C4FF"/>
-              </a:solidFill>
-              <a:latin typeface="Abadi" panose="020F0502020204030204" pitchFamily="34" charset="0"/>
-              <a:cs typeface="Abadi" panose="020F0502020204030204" pitchFamily="34" charset="0"/>
-            </a:endParaRPr>
+            <a:endParaRPr lang="en" dirty="0"/>
           </a:p>
           <a:p>
             <a:pPr marL="457200" lvl="0" indent="-342900" algn="l" rtl="0">
@@ -10038,161 +10659,10 @@
         </p:txBody>
       </p:sp>
     </p:spTree>
-    <p:extLst>
-      <p:ext uri="{BB962C8B-B14F-4D97-AF65-F5344CB8AC3E}">
-        <p14:creationId xmlns:p14="http://schemas.microsoft.com/office/powerpoint/2010/main" val="3050889110"/>
-      </p:ext>
-    </p:extLst>
   </p:cSld>
   <p:clrMapOvr>
     <a:masterClrMapping/>
   </p:clrMapOvr>
-  <p:timing>
-    <p:tnLst>
-      <p:par>
-        <p:cTn id="1" dur="indefinite" restart="never" nodeType="tmRoot">
-          <p:childTnLst>
-            <p:seq concurrent="1" nextAc="seek">
-              <p:cTn id="2" dur="indefinite" nodeType="mainSeq">
-                <p:childTnLst>
-                  <p:par>
-                    <p:cTn id="3" fill="hold">
-                      <p:stCondLst>
-                        <p:cond delay="indefinite"/>
-                        <p:cond evt="onBegin" delay="0">
-                          <p:tn val="2"/>
-                        </p:cond>
-                      </p:stCondLst>
-                      <p:childTnLst>
-                        <p:par>
-                          <p:cTn id="4" fill="hold">
-                            <p:stCondLst>
-                              <p:cond delay="0"/>
-                            </p:stCondLst>
-                            <p:childTnLst>
-                              <p:par>
-                                <p:cTn id="5" presetID="16" presetClass="entr" presetSubtype="21" fill="hold" nodeType="withEffect">
-                                  <p:stCondLst>
-                                    <p:cond delay="0"/>
-                                  </p:stCondLst>
-                                  <p:childTnLst>
-                                    <p:set>
-                                      <p:cBhvr>
-                                        <p:cTn id="6" dur="1" fill="hold">
-                                          <p:stCondLst>
-                                            <p:cond delay="0"/>
-                                          </p:stCondLst>
-                                        </p:cTn>
-                                        <p:tgtEl>
-                                          <p:spTgt spid="89">
-                                            <p:txEl>
-                                              <p:pRg st="0" end="0"/>
-                                            </p:txEl>
-                                          </p:spTgt>
-                                        </p:tgtEl>
-                                        <p:attrNameLst>
-                                          <p:attrName>style.visibility</p:attrName>
-                                        </p:attrNameLst>
-                                      </p:cBhvr>
-                                      <p:to>
-                                        <p:strVal val="visible"/>
-                                      </p:to>
-                                    </p:set>
-                                    <p:animEffect transition="in" filter="barn(inVertical)">
-                                      <p:cBhvr>
-                                        <p:cTn id="7" dur="500"/>
-                                        <p:tgtEl>
-                                          <p:spTgt spid="89">
-                                            <p:txEl>
-                                              <p:pRg st="0" end="0"/>
-                                            </p:txEl>
-                                          </p:spTgt>
-                                        </p:tgtEl>
-                                      </p:cBhvr>
-                                    </p:animEffect>
-                                  </p:childTnLst>
-                                </p:cTn>
-                              </p:par>
-                            </p:childTnLst>
-                          </p:cTn>
-                        </p:par>
-                        <p:par>
-                          <p:cTn id="8" fill="hold">
-                            <p:stCondLst>
-                              <p:cond delay="500"/>
-                            </p:stCondLst>
-                            <p:childTnLst>
-                              <p:par>
-                                <p:cTn id="9" presetID="16" presetClass="entr" presetSubtype="21" fill="hold" nodeType="afterEffect">
-                                  <p:stCondLst>
-                                    <p:cond delay="0"/>
-                                  </p:stCondLst>
-                                  <p:childTnLst>
-                                    <p:set>
-                                      <p:cBhvr>
-                                        <p:cTn id="10" dur="1" fill="hold">
-                                          <p:stCondLst>
-                                            <p:cond delay="0"/>
-                                          </p:stCondLst>
-                                        </p:cTn>
-                                        <p:tgtEl>
-                                          <p:spTgt spid="89">
-                                            <p:txEl>
-                                              <p:pRg st="1" end="1"/>
-                                            </p:txEl>
-                                          </p:spTgt>
-                                        </p:tgtEl>
-                                        <p:attrNameLst>
-                                          <p:attrName>style.visibility</p:attrName>
-                                        </p:attrNameLst>
-                                      </p:cBhvr>
-                                      <p:to>
-                                        <p:strVal val="visible"/>
-                                      </p:to>
-                                    </p:set>
-                                    <p:animEffect transition="in" filter="barn(inVertical)">
-                                      <p:cBhvr>
-                                        <p:cTn id="11" dur="500"/>
-                                        <p:tgtEl>
-                                          <p:spTgt spid="89">
-                                            <p:txEl>
-                                              <p:pRg st="1" end="1"/>
-                                            </p:txEl>
-                                          </p:spTgt>
-                                        </p:tgtEl>
-                                      </p:cBhvr>
-                                    </p:animEffect>
-                                  </p:childTnLst>
-                                </p:cTn>
-                              </p:par>
-                            </p:childTnLst>
-                          </p:cTn>
-                        </p:par>
-                      </p:childTnLst>
-                    </p:cTn>
-                  </p:par>
-                </p:childTnLst>
-              </p:cTn>
-              <p:prevCondLst>
-                <p:cond evt="onPrev" delay="0">
-                  <p:tgtEl>
-                    <p:sldTgt/>
-                  </p:tgtEl>
-                </p:cond>
-              </p:prevCondLst>
-              <p:nextCondLst>
-                <p:cond evt="onNext" delay="0">
-                  <p:tgtEl>
-                    <p:sldTgt/>
-                  </p:tgtEl>
-                </p:cond>
-              </p:nextCondLst>
-            </p:seq>
-          </p:childTnLst>
-        </p:cTn>
-      </p:par>
-    </p:tnLst>
-  </p:timing>
 </p:sld>
 </file>
 
